--- a/media/CAD Info.pptx
+++ b/media/CAD Info.pptx
@@ -107,6 +107,11 @@
       </a:defRPr>
     </a:lvl9pPr>
   </p:defaultTextStyle>
+  <p:extLst>
+    <p:ext uri="{EFAFB233-063F-42B5-8137-9DF3F51BA10A}">
+      <p15:sldGuideLst xmlns:p15="http://schemas.microsoft.com/office/powerpoint/2012/main"/>
+    </p:ext>
+  </p:extLst>
 </p:presentation>
 </file>
 
@@ -257,7 +262,7 @@
           <a:p>
             <a:fld id="{62880B7D-B029-43E8-9864-ABBE9241220B}" type="datetimeFigureOut">
               <a:rPr lang="en-US" smtClean="0"/>
-              <a:t>7/24/2025</a:t>
+              <a:t>7/25/2025</a:t>
             </a:fld>
             <a:endParaRPr lang="en-US"/>
           </a:p>
@@ -455,7 +460,7 @@
           <a:p>
             <a:fld id="{62880B7D-B029-43E8-9864-ABBE9241220B}" type="datetimeFigureOut">
               <a:rPr lang="en-US" smtClean="0"/>
-              <a:t>7/24/2025</a:t>
+              <a:t>7/25/2025</a:t>
             </a:fld>
             <a:endParaRPr lang="en-US"/>
           </a:p>
@@ -663,7 +668,7 @@
           <a:p>
             <a:fld id="{62880B7D-B029-43E8-9864-ABBE9241220B}" type="datetimeFigureOut">
               <a:rPr lang="en-US" smtClean="0"/>
-              <a:t>7/24/2025</a:t>
+              <a:t>7/25/2025</a:t>
             </a:fld>
             <a:endParaRPr lang="en-US"/>
           </a:p>
@@ -861,7 +866,7 @@
           <a:p>
             <a:fld id="{62880B7D-B029-43E8-9864-ABBE9241220B}" type="datetimeFigureOut">
               <a:rPr lang="en-US" smtClean="0"/>
-              <a:t>7/24/2025</a:t>
+              <a:t>7/25/2025</a:t>
             </a:fld>
             <a:endParaRPr lang="en-US"/>
           </a:p>
@@ -1136,7 +1141,7 @@
           <a:p>
             <a:fld id="{62880B7D-B029-43E8-9864-ABBE9241220B}" type="datetimeFigureOut">
               <a:rPr lang="en-US" smtClean="0"/>
-              <a:t>7/24/2025</a:t>
+              <a:t>7/25/2025</a:t>
             </a:fld>
             <a:endParaRPr lang="en-US"/>
           </a:p>
@@ -1401,7 +1406,7 @@
           <a:p>
             <a:fld id="{62880B7D-B029-43E8-9864-ABBE9241220B}" type="datetimeFigureOut">
               <a:rPr lang="en-US" smtClean="0"/>
-              <a:t>7/24/2025</a:t>
+              <a:t>7/25/2025</a:t>
             </a:fld>
             <a:endParaRPr lang="en-US"/>
           </a:p>
@@ -1813,7 +1818,7 @@
           <a:p>
             <a:fld id="{62880B7D-B029-43E8-9864-ABBE9241220B}" type="datetimeFigureOut">
               <a:rPr lang="en-US" smtClean="0"/>
-              <a:t>7/24/2025</a:t>
+              <a:t>7/25/2025</a:t>
             </a:fld>
             <a:endParaRPr lang="en-US"/>
           </a:p>
@@ -1954,7 +1959,7 @@
           <a:p>
             <a:fld id="{62880B7D-B029-43E8-9864-ABBE9241220B}" type="datetimeFigureOut">
               <a:rPr lang="en-US" smtClean="0"/>
-              <a:t>7/24/2025</a:t>
+              <a:t>7/25/2025</a:t>
             </a:fld>
             <a:endParaRPr lang="en-US"/>
           </a:p>
@@ -2067,7 +2072,7 @@
           <a:p>
             <a:fld id="{62880B7D-B029-43E8-9864-ABBE9241220B}" type="datetimeFigureOut">
               <a:rPr lang="en-US" smtClean="0"/>
-              <a:t>7/24/2025</a:t>
+              <a:t>7/25/2025</a:t>
             </a:fld>
             <a:endParaRPr lang="en-US"/>
           </a:p>
@@ -2378,7 +2383,7 @@
           <a:p>
             <a:fld id="{62880B7D-B029-43E8-9864-ABBE9241220B}" type="datetimeFigureOut">
               <a:rPr lang="en-US" smtClean="0"/>
-              <a:t>7/24/2025</a:t>
+              <a:t>7/25/2025</a:t>
             </a:fld>
             <a:endParaRPr lang="en-US"/>
           </a:p>
@@ -2666,7 +2671,7 @@
           <a:p>
             <a:fld id="{62880B7D-B029-43E8-9864-ABBE9241220B}" type="datetimeFigureOut">
               <a:rPr lang="en-US" smtClean="0"/>
-              <a:t>7/24/2025</a:t>
+              <a:t>7/25/2025</a:t>
             </a:fld>
             <a:endParaRPr lang="en-US"/>
           </a:p>
@@ -2907,7 +2912,7 @@
           <a:p>
             <a:fld id="{62880B7D-B029-43E8-9864-ABBE9241220B}" type="datetimeFigureOut">
               <a:rPr lang="en-US" smtClean="0"/>
-              <a:t>7/24/2025</a:t>
+              <a:t>7/25/2025</a:t>
             </a:fld>
             <a:endParaRPr lang="en-US"/>
           </a:p>
@@ -3692,8 +3697,8 @@
         </p:nvSpPr>
         <p:spPr>
           <a:xfrm>
-            <a:off x="8996713" y="1401720"/>
-            <a:ext cx="2595915" cy="3323987"/>
+            <a:off x="8462803" y="1401720"/>
+            <a:ext cx="3372361" cy="3108543"/>
           </a:xfrm>
           <a:prstGeom prst="rect">
             <a:avLst/>
@@ -3709,6 +3714,12 @@
             <a:r>
               <a:rPr lang="en-US" sz="1400" dirty="0"/>
               <a:t>Mass properties of Final Drone Assembly</a:t>
+            </a:r>
+          </a:p>
+          <a:p>
+            <a:r>
+              <a:rPr lang="en-US" sz="1400" dirty="0"/>
+              <a:t>(Hand Calculation Separate)</a:t>
             </a:r>
           </a:p>
           <a:p>

--- a/media/CAD Info.pptx
+++ b/media/CAD Info.pptx
@@ -3979,12 +3979,54 @@
           <a:chExt cx="0" cy="0"/>
         </a:xfrm>
       </p:grpSpPr>
+      <p:sp>
+        <p:nvSpPr>
+          <p:cNvPr id="4" name="Title 3">
+            <a:extLst>
+              <a:ext uri="{FF2B5EF4-FFF2-40B4-BE49-F238E27FC236}">
+                <a16:creationId xmlns:a16="http://schemas.microsoft.com/office/drawing/2014/main" id="{027F4BB2-9755-018D-2D39-18FE84725875}"/>
+              </a:ext>
+            </a:extLst>
+          </p:cNvPr>
+          <p:cNvSpPr>
+            <a:spLocks noGrp="1"/>
+          </p:cNvSpPr>
+          <p:nvPr>
+            <p:ph type="title"/>
+          </p:nvPr>
+        </p:nvSpPr>
+        <p:spPr>
+          <a:xfrm>
+            <a:off x="7622046" y="365126"/>
+            <a:ext cx="3731754" cy="420399"/>
+          </a:xfrm>
+        </p:spPr>
+        <p:txBody>
+          <a:bodyPr>
+            <a:noAutofit/>
+          </a:bodyPr>
+          <a:lstStyle/>
+          <a:p>
+            <a:r>
+              <a:rPr lang="en-US" sz="3200" dirty="0">
+                <a:solidFill>
+                  <a:schemeClr val="tx1">
+                    <a:lumMod val="95000"/>
+                    <a:lumOff val="5000"/>
+                  </a:schemeClr>
+                </a:solidFill>
+              </a:rPr>
+              <a:t>Initial CAD Design</a:t>
+            </a:r>
+          </a:p>
+        </p:txBody>
+      </p:sp>
       <p:pic>
         <p:nvPicPr>
-          <p:cNvPr id="7" name="Picture 6">
-            <a:extLst>
-              <a:ext uri="{FF2B5EF4-FFF2-40B4-BE49-F238E27FC236}">
-                <a16:creationId xmlns:a16="http://schemas.microsoft.com/office/drawing/2014/main" id="{7C2C46B0-F28E-C5E4-D090-3AF4FC7ED47E}"/>
+          <p:cNvPr id="6" name="Picture 5">
+            <a:extLst>
+              <a:ext uri="{FF2B5EF4-FFF2-40B4-BE49-F238E27FC236}">
+                <a16:creationId xmlns:a16="http://schemas.microsoft.com/office/drawing/2014/main" id="{99832E3D-B4D5-6FCC-9258-B82FADA1B148}"/>
               </a:ext>
             </a:extLst>
           </p:cNvPr>
@@ -4001,56 +4043,44 @@
         </p:blipFill>
         <p:spPr>
           <a:xfrm>
-            <a:off x="404152" y="0"/>
-            <a:ext cx="11383695" cy="6858000"/>
+            <a:off x="5673714" y="1043950"/>
+            <a:ext cx="6022494" cy="5448924"/>
           </a:xfrm>
           <a:prstGeom prst="rect">
             <a:avLst/>
           </a:prstGeom>
         </p:spPr>
       </p:pic>
-      <p:sp>
-        <p:nvSpPr>
-          <p:cNvPr id="4" name="Title 3">
-            <a:extLst>
-              <a:ext uri="{FF2B5EF4-FFF2-40B4-BE49-F238E27FC236}">
-                <a16:creationId xmlns:a16="http://schemas.microsoft.com/office/drawing/2014/main" id="{027F4BB2-9755-018D-2D39-18FE84725875}"/>
-              </a:ext>
-            </a:extLst>
-          </p:cNvPr>
-          <p:cNvSpPr>
-            <a:spLocks noGrp="1"/>
-          </p:cNvSpPr>
-          <p:nvPr>
-            <p:ph type="title"/>
-          </p:nvPr>
-        </p:nvSpPr>
+      <p:pic>
+        <p:nvPicPr>
+          <p:cNvPr id="3" name="Picture 2">
+            <a:extLst>
+              <a:ext uri="{FF2B5EF4-FFF2-40B4-BE49-F238E27FC236}">
+                <a16:creationId xmlns:a16="http://schemas.microsoft.com/office/drawing/2014/main" id="{CDF0C736-36FE-891F-722C-F8E674ADFA7C}"/>
+              </a:ext>
+            </a:extLst>
+          </p:cNvPr>
+          <p:cNvPicPr>
+            <a:picLocks noChangeAspect="1"/>
+          </p:cNvPicPr>
+          <p:nvPr/>
+        </p:nvPicPr>
+        <p:blipFill>
+          <a:blip r:embed="rId3"/>
+          <a:stretch>
+            <a:fillRect/>
+          </a:stretch>
+        </p:blipFill>
         <p:spPr>
           <a:xfrm>
-            <a:off x="7622046" y="365126"/>
-            <a:ext cx="3731754" cy="420399"/>
+            <a:off x="495792" y="365126"/>
+            <a:ext cx="5047506" cy="6127748"/>
           </a:xfrm>
+          <a:prstGeom prst="rect">
+            <a:avLst/>
+          </a:prstGeom>
         </p:spPr>
-        <p:txBody>
-          <a:bodyPr>
-            <a:noAutofit/>
-          </a:bodyPr>
-          <a:lstStyle/>
-          <a:p>
-            <a:r>
-              <a:rPr lang="en-US" sz="3200" dirty="0">
-                <a:solidFill>
-                  <a:schemeClr val="tx1">
-                    <a:lumMod val="95000"/>
-                    <a:lumOff val="5000"/>
-                  </a:schemeClr>
-                </a:solidFill>
-              </a:rPr>
-              <a:t>Initial CAD Design</a:t>
-            </a:r>
-          </a:p>
-        </p:txBody>
-      </p:sp>
+      </p:pic>
     </p:spTree>
     <p:extLst>
       <p:ext uri="{BB962C8B-B14F-4D97-AF65-F5344CB8AC3E}">
